--- a/KLOUD DESK final.pptx
+++ b/KLOUD DESK final.pptx
@@ -153,7 +153,7 @@
           <p:cNvPr id="2" name="Title 1">
             <a:extLst>
               <a:ext uri="{FF2B5EF4-FFF2-40B4-BE49-F238E27FC236}">
-                <a16:creationId xmlns:a16="http://schemas.microsoft.com/office/drawing/2014/main" id="{C20674CE-89A1-42A7-8457-A28F6BE39D41}"/>
+                <a16:creationId xmlns:a16="http://schemas.microsoft.com/office/drawing/2014/main" xmlns="" id="{C20674CE-89A1-42A7-8457-A28F6BE39D41}"/>
               </a:ext>
             </a:extLst>
           </p:cNvPr>
@@ -191,7 +191,7 @@
           <p:cNvPr id="3" name="Subtitle 2">
             <a:extLst>
               <a:ext uri="{FF2B5EF4-FFF2-40B4-BE49-F238E27FC236}">
-                <a16:creationId xmlns:a16="http://schemas.microsoft.com/office/drawing/2014/main" id="{EBE2AF09-95B8-4F20-8098-354DE0E4E278}"/>
+                <a16:creationId xmlns:a16="http://schemas.microsoft.com/office/drawing/2014/main" xmlns="" id="{EBE2AF09-95B8-4F20-8098-354DE0E4E278}"/>
               </a:ext>
             </a:extLst>
           </p:cNvPr>
@@ -262,7 +262,7 @@
           <p:cNvPr id="4" name="Date Placeholder 3">
             <a:extLst>
               <a:ext uri="{FF2B5EF4-FFF2-40B4-BE49-F238E27FC236}">
-                <a16:creationId xmlns:a16="http://schemas.microsoft.com/office/drawing/2014/main" id="{E6636D73-42E8-4425-9A9C-0A3DDB223AE8}"/>
+                <a16:creationId xmlns:a16="http://schemas.microsoft.com/office/drawing/2014/main" xmlns="" id="{E6636D73-42E8-4425-9A9C-0A3DDB223AE8}"/>
               </a:ext>
             </a:extLst>
           </p:cNvPr>
@@ -280,7 +280,7 @@
           <a:p>
             <a:fld id="{A2DB2A0C-8F34-4470-B7BE-5AD818DE895F}" type="datetimeFigureOut">
               <a:rPr lang="en-GB" smtClean="0"/>
-              <a:t>20/05/2020</a:t>
+              <a:t>07/06/2020</a:t>
             </a:fld>
             <a:endParaRPr lang="en-GB"/>
           </a:p>
@@ -291,7 +291,7 @@
           <p:cNvPr id="5" name="Footer Placeholder 4">
             <a:extLst>
               <a:ext uri="{FF2B5EF4-FFF2-40B4-BE49-F238E27FC236}">
-                <a16:creationId xmlns:a16="http://schemas.microsoft.com/office/drawing/2014/main" id="{00BC3F40-3CB6-47A7-9E6B-F65230C2D5AF}"/>
+                <a16:creationId xmlns:a16="http://schemas.microsoft.com/office/drawing/2014/main" xmlns="" id="{00BC3F40-3CB6-47A7-9E6B-F65230C2D5AF}"/>
               </a:ext>
             </a:extLst>
           </p:cNvPr>
@@ -316,7 +316,7 @@
           <p:cNvPr id="6" name="Slide Number Placeholder 5">
             <a:extLst>
               <a:ext uri="{FF2B5EF4-FFF2-40B4-BE49-F238E27FC236}">
-                <a16:creationId xmlns:a16="http://schemas.microsoft.com/office/drawing/2014/main" id="{B16C647C-E5A5-456E-AE89-820857FF1B44}"/>
+                <a16:creationId xmlns:a16="http://schemas.microsoft.com/office/drawing/2014/main" xmlns="" id="{B16C647C-E5A5-456E-AE89-820857FF1B44}"/>
               </a:ext>
             </a:extLst>
           </p:cNvPr>
@@ -375,7 +375,7 @@
           <p:cNvPr id="2" name="Title 1">
             <a:extLst>
               <a:ext uri="{FF2B5EF4-FFF2-40B4-BE49-F238E27FC236}">
-                <a16:creationId xmlns:a16="http://schemas.microsoft.com/office/drawing/2014/main" id="{653FDF65-5D4A-403F-A8C7-63957CE4ADD7}"/>
+                <a16:creationId xmlns:a16="http://schemas.microsoft.com/office/drawing/2014/main" xmlns="" id="{653FDF65-5D4A-403F-A8C7-63957CE4ADD7}"/>
               </a:ext>
             </a:extLst>
           </p:cNvPr>
@@ -404,7 +404,7 @@
           <p:cNvPr id="3" name="Vertical Text Placeholder 2">
             <a:extLst>
               <a:ext uri="{FF2B5EF4-FFF2-40B4-BE49-F238E27FC236}">
-                <a16:creationId xmlns:a16="http://schemas.microsoft.com/office/drawing/2014/main" id="{E1C44381-A47C-483D-9343-BBA9158EAE11}"/>
+                <a16:creationId xmlns:a16="http://schemas.microsoft.com/office/drawing/2014/main" xmlns="" id="{E1C44381-A47C-483D-9343-BBA9158EAE11}"/>
               </a:ext>
             </a:extLst>
           </p:cNvPr>
@@ -462,7 +462,7 @@
           <p:cNvPr id="4" name="Date Placeholder 3">
             <a:extLst>
               <a:ext uri="{FF2B5EF4-FFF2-40B4-BE49-F238E27FC236}">
-                <a16:creationId xmlns:a16="http://schemas.microsoft.com/office/drawing/2014/main" id="{89866FFC-1B35-4DC3-B498-5F1979196573}"/>
+                <a16:creationId xmlns:a16="http://schemas.microsoft.com/office/drawing/2014/main" xmlns="" id="{89866FFC-1B35-4DC3-B498-5F1979196573}"/>
               </a:ext>
             </a:extLst>
           </p:cNvPr>
@@ -480,7 +480,7 @@
           <a:p>
             <a:fld id="{A2DB2A0C-8F34-4470-B7BE-5AD818DE895F}" type="datetimeFigureOut">
               <a:rPr lang="en-GB" smtClean="0"/>
-              <a:t>20/05/2020</a:t>
+              <a:t>07/06/2020</a:t>
             </a:fld>
             <a:endParaRPr lang="en-GB"/>
           </a:p>
@@ -491,7 +491,7 @@
           <p:cNvPr id="5" name="Footer Placeholder 4">
             <a:extLst>
               <a:ext uri="{FF2B5EF4-FFF2-40B4-BE49-F238E27FC236}">
-                <a16:creationId xmlns:a16="http://schemas.microsoft.com/office/drawing/2014/main" id="{AF7471A2-D941-4420-A416-5ECCC8325829}"/>
+                <a16:creationId xmlns:a16="http://schemas.microsoft.com/office/drawing/2014/main" xmlns="" id="{AF7471A2-D941-4420-A416-5ECCC8325829}"/>
               </a:ext>
             </a:extLst>
           </p:cNvPr>
@@ -516,7 +516,7 @@
           <p:cNvPr id="6" name="Slide Number Placeholder 5">
             <a:extLst>
               <a:ext uri="{FF2B5EF4-FFF2-40B4-BE49-F238E27FC236}">
-                <a16:creationId xmlns:a16="http://schemas.microsoft.com/office/drawing/2014/main" id="{24C54043-6B3A-4E9D-AD8C-276B6477292C}"/>
+                <a16:creationId xmlns:a16="http://schemas.microsoft.com/office/drawing/2014/main" xmlns="" id="{24C54043-6B3A-4E9D-AD8C-276B6477292C}"/>
               </a:ext>
             </a:extLst>
           </p:cNvPr>
@@ -575,7 +575,7 @@
           <p:cNvPr id="2" name="Vertical Title 1">
             <a:extLst>
               <a:ext uri="{FF2B5EF4-FFF2-40B4-BE49-F238E27FC236}">
-                <a16:creationId xmlns:a16="http://schemas.microsoft.com/office/drawing/2014/main" id="{95D58C16-66E4-4ADC-BB7A-CA0C75404BE9}"/>
+                <a16:creationId xmlns:a16="http://schemas.microsoft.com/office/drawing/2014/main" xmlns="" id="{95D58C16-66E4-4ADC-BB7A-CA0C75404BE9}"/>
               </a:ext>
             </a:extLst>
           </p:cNvPr>
@@ -609,7 +609,7 @@
           <p:cNvPr id="3" name="Vertical Text Placeholder 2">
             <a:extLst>
               <a:ext uri="{FF2B5EF4-FFF2-40B4-BE49-F238E27FC236}">
-                <a16:creationId xmlns:a16="http://schemas.microsoft.com/office/drawing/2014/main" id="{DBD1972F-98DD-4820-B4F9-10BA5747E690}"/>
+                <a16:creationId xmlns:a16="http://schemas.microsoft.com/office/drawing/2014/main" xmlns="" id="{DBD1972F-98DD-4820-B4F9-10BA5747E690}"/>
               </a:ext>
             </a:extLst>
           </p:cNvPr>
@@ -672,7 +672,7 @@
           <p:cNvPr id="4" name="Date Placeholder 3">
             <a:extLst>
               <a:ext uri="{FF2B5EF4-FFF2-40B4-BE49-F238E27FC236}">
-                <a16:creationId xmlns:a16="http://schemas.microsoft.com/office/drawing/2014/main" id="{2A7C3EF1-63A9-4461-9735-55F83E3D4487}"/>
+                <a16:creationId xmlns:a16="http://schemas.microsoft.com/office/drawing/2014/main" xmlns="" id="{2A7C3EF1-63A9-4461-9735-55F83E3D4487}"/>
               </a:ext>
             </a:extLst>
           </p:cNvPr>
@@ -690,7 +690,7 @@
           <a:p>
             <a:fld id="{A2DB2A0C-8F34-4470-B7BE-5AD818DE895F}" type="datetimeFigureOut">
               <a:rPr lang="en-GB" smtClean="0"/>
-              <a:t>20/05/2020</a:t>
+              <a:t>07/06/2020</a:t>
             </a:fld>
             <a:endParaRPr lang="en-GB"/>
           </a:p>
@@ -701,7 +701,7 @@
           <p:cNvPr id="5" name="Footer Placeholder 4">
             <a:extLst>
               <a:ext uri="{FF2B5EF4-FFF2-40B4-BE49-F238E27FC236}">
-                <a16:creationId xmlns:a16="http://schemas.microsoft.com/office/drawing/2014/main" id="{F9DC9D7B-C913-42B5-BDFC-372526DADD5D}"/>
+                <a16:creationId xmlns:a16="http://schemas.microsoft.com/office/drawing/2014/main" xmlns="" id="{F9DC9D7B-C913-42B5-BDFC-372526DADD5D}"/>
               </a:ext>
             </a:extLst>
           </p:cNvPr>
@@ -726,7 +726,7 @@
           <p:cNvPr id="6" name="Slide Number Placeholder 5">
             <a:extLst>
               <a:ext uri="{FF2B5EF4-FFF2-40B4-BE49-F238E27FC236}">
-                <a16:creationId xmlns:a16="http://schemas.microsoft.com/office/drawing/2014/main" id="{E711ADD8-7E70-48EE-AFCC-CF6EA78BA3FF}"/>
+                <a16:creationId xmlns:a16="http://schemas.microsoft.com/office/drawing/2014/main" xmlns="" id="{E711ADD8-7E70-48EE-AFCC-CF6EA78BA3FF}"/>
               </a:ext>
             </a:extLst>
           </p:cNvPr>
@@ -785,7 +785,7 @@
           <p:cNvPr id="2" name="Title 1">
             <a:extLst>
               <a:ext uri="{FF2B5EF4-FFF2-40B4-BE49-F238E27FC236}">
-                <a16:creationId xmlns:a16="http://schemas.microsoft.com/office/drawing/2014/main" id="{EA496610-DEA0-41B8-AD54-107C84722CF7}"/>
+                <a16:creationId xmlns:a16="http://schemas.microsoft.com/office/drawing/2014/main" xmlns="" id="{EA496610-DEA0-41B8-AD54-107C84722CF7}"/>
               </a:ext>
             </a:extLst>
           </p:cNvPr>
@@ -814,7 +814,7 @@
           <p:cNvPr id="3" name="Content Placeholder 2">
             <a:extLst>
               <a:ext uri="{FF2B5EF4-FFF2-40B4-BE49-F238E27FC236}">
-                <a16:creationId xmlns:a16="http://schemas.microsoft.com/office/drawing/2014/main" id="{C50E3576-E063-4388-9DFB-6DD5717B9C0E}"/>
+                <a16:creationId xmlns:a16="http://schemas.microsoft.com/office/drawing/2014/main" xmlns="" id="{C50E3576-E063-4388-9DFB-6DD5717B9C0E}"/>
               </a:ext>
             </a:extLst>
           </p:cNvPr>
@@ -872,7 +872,7 @@
           <p:cNvPr id="4" name="Date Placeholder 3">
             <a:extLst>
               <a:ext uri="{FF2B5EF4-FFF2-40B4-BE49-F238E27FC236}">
-                <a16:creationId xmlns:a16="http://schemas.microsoft.com/office/drawing/2014/main" id="{DAD4817F-786D-4793-86F8-079E60C78AEF}"/>
+                <a16:creationId xmlns:a16="http://schemas.microsoft.com/office/drawing/2014/main" xmlns="" id="{DAD4817F-786D-4793-86F8-079E60C78AEF}"/>
               </a:ext>
             </a:extLst>
           </p:cNvPr>
@@ -890,7 +890,7 @@
           <a:p>
             <a:fld id="{A2DB2A0C-8F34-4470-B7BE-5AD818DE895F}" type="datetimeFigureOut">
               <a:rPr lang="en-GB" smtClean="0"/>
-              <a:t>20/05/2020</a:t>
+              <a:t>07/06/2020</a:t>
             </a:fld>
             <a:endParaRPr lang="en-GB"/>
           </a:p>
@@ -901,7 +901,7 @@
           <p:cNvPr id="5" name="Footer Placeholder 4">
             <a:extLst>
               <a:ext uri="{FF2B5EF4-FFF2-40B4-BE49-F238E27FC236}">
-                <a16:creationId xmlns:a16="http://schemas.microsoft.com/office/drawing/2014/main" id="{C48F7FFE-535B-4D21-937A-225B132F16E9}"/>
+                <a16:creationId xmlns:a16="http://schemas.microsoft.com/office/drawing/2014/main" xmlns="" id="{C48F7FFE-535B-4D21-937A-225B132F16E9}"/>
               </a:ext>
             </a:extLst>
           </p:cNvPr>
@@ -926,7 +926,7 @@
           <p:cNvPr id="6" name="Slide Number Placeholder 5">
             <a:extLst>
               <a:ext uri="{FF2B5EF4-FFF2-40B4-BE49-F238E27FC236}">
-                <a16:creationId xmlns:a16="http://schemas.microsoft.com/office/drawing/2014/main" id="{27B61088-C902-4442-936F-CE95E482449D}"/>
+                <a16:creationId xmlns:a16="http://schemas.microsoft.com/office/drawing/2014/main" xmlns="" id="{27B61088-C902-4442-936F-CE95E482449D}"/>
               </a:ext>
             </a:extLst>
           </p:cNvPr>
@@ -985,7 +985,7 @@
           <p:cNvPr id="2" name="Title 1">
             <a:extLst>
               <a:ext uri="{FF2B5EF4-FFF2-40B4-BE49-F238E27FC236}">
-                <a16:creationId xmlns:a16="http://schemas.microsoft.com/office/drawing/2014/main" id="{F39B7277-A933-4EE5-BE57-F42C45AB9B09}"/>
+                <a16:creationId xmlns:a16="http://schemas.microsoft.com/office/drawing/2014/main" xmlns="" id="{F39B7277-A933-4EE5-BE57-F42C45AB9B09}"/>
               </a:ext>
             </a:extLst>
           </p:cNvPr>
@@ -1023,7 +1023,7 @@
           <p:cNvPr id="3" name="Text Placeholder 2">
             <a:extLst>
               <a:ext uri="{FF2B5EF4-FFF2-40B4-BE49-F238E27FC236}">
-                <a16:creationId xmlns:a16="http://schemas.microsoft.com/office/drawing/2014/main" id="{67E41AFD-7035-4D46-BAFF-93CF94614190}"/>
+                <a16:creationId xmlns:a16="http://schemas.microsoft.com/office/drawing/2014/main" xmlns="" id="{67E41AFD-7035-4D46-BAFF-93CF94614190}"/>
               </a:ext>
             </a:extLst>
           </p:cNvPr>
@@ -1148,7 +1148,7 @@
           <p:cNvPr id="4" name="Date Placeholder 3">
             <a:extLst>
               <a:ext uri="{FF2B5EF4-FFF2-40B4-BE49-F238E27FC236}">
-                <a16:creationId xmlns:a16="http://schemas.microsoft.com/office/drawing/2014/main" id="{48DBCC13-1041-42FB-8A2B-639775EF3A6B}"/>
+                <a16:creationId xmlns:a16="http://schemas.microsoft.com/office/drawing/2014/main" xmlns="" id="{48DBCC13-1041-42FB-8A2B-639775EF3A6B}"/>
               </a:ext>
             </a:extLst>
           </p:cNvPr>
@@ -1166,7 +1166,7 @@
           <a:p>
             <a:fld id="{A2DB2A0C-8F34-4470-B7BE-5AD818DE895F}" type="datetimeFigureOut">
               <a:rPr lang="en-GB" smtClean="0"/>
-              <a:t>20/05/2020</a:t>
+              <a:t>07/06/2020</a:t>
             </a:fld>
             <a:endParaRPr lang="en-GB"/>
           </a:p>
@@ -1177,7 +1177,7 @@
           <p:cNvPr id="5" name="Footer Placeholder 4">
             <a:extLst>
               <a:ext uri="{FF2B5EF4-FFF2-40B4-BE49-F238E27FC236}">
-                <a16:creationId xmlns:a16="http://schemas.microsoft.com/office/drawing/2014/main" id="{7C2E000A-0E1C-4139-A477-12E96E23FD9E}"/>
+                <a16:creationId xmlns:a16="http://schemas.microsoft.com/office/drawing/2014/main" xmlns="" id="{7C2E000A-0E1C-4139-A477-12E96E23FD9E}"/>
               </a:ext>
             </a:extLst>
           </p:cNvPr>
@@ -1202,7 +1202,7 @@
           <p:cNvPr id="6" name="Slide Number Placeholder 5">
             <a:extLst>
               <a:ext uri="{FF2B5EF4-FFF2-40B4-BE49-F238E27FC236}">
-                <a16:creationId xmlns:a16="http://schemas.microsoft.com/office/drawing/2014/main" id="{53353C71-3098-42FC-8CC6-DF02FE19FD26}"/>
+                <a16:creationId xmlns:a16="http://schemas.microsoft.com/office/drawing/2014/main" xmlns="" id="{53353C71-3098-42FC-8CC6-DF02FE19FD26}"/>
               </a:ext>
             </a:extLst>
           </p:cNvPr>
@@ -1261,7 +1261,7 @@
           <p:cNvPr id="2" name="Title 1">
             <a:extLst>
               <a:ext uri="{FF2B5EF4-FFF2-40B4-BE49-F238E27FC236}">
-                <a16:creationId xmlns:a16="http://schemas.microsoft.com/office/drawing/2014/main" id="{1B8EE8D5-E052-46C8-A24E-6077AA43E468}"/>
+                <a16:creationId xmlns:a16="http://schemas.microsoft.com/office/drawing/2014/main" xmlns="" id="{1B8EE8D5-E052-46C8-A24E-6077AA43E468}"/>
               </a:ext>
             </a:extLst>
           </p:cNvPr>
@@ -1290,7 +1290,7 @@
           <p:cNvPr id="3" name="Content Placeholder 2">
             <a:extLst>
               <a:ext uri="{FF2B5EF4-FFF2-40B4-BE49-F238E27FC236}">
-                <a16:creationId xmlns:a16="http://schemas.microsoft.com/office/drawing/2014/main" id="{8D31A204-17A4-4D7A-9C7D-F12B46EB6A94}"/>
+                <a16:creationId xmlns:a16="http://schemas.microsoft.com/office/drawing/2014/main" xmlns="" id="{8D31A204-17A4-4D7A-9C7D-F12B46EB6A94}"/>
               </a:ext>
             </a:extLst>
           </p:cNvPr>
@@ -1353,7 +1353,7 @@
           <p:cNvPr id="4" name="Content Placeholder 3">
             <a:extLst>
               <a:ext uri="{FF2B5EF4-FFF2-40B4-BE49-F238E27FC236}">
-                <a16:creationId xmlns:a16="http://schemas.microsoft.com/office/drawing/2014/main" id="{0D1F78F5-AE53-4E97-A2FE-CE6E2A72F6ED}"/>
+                <a16:creationId xmlns:a16="http://schemas.microsoft.com/office/drawing/2014/main" xmlns="" id="{0D1F78F5-AE53-4E97-A2FE-CE6E2A72F6ED}"/>
               </a:ext>
             </a:extLst>
           </p:cNvPr>
@@ -1416,7 +1416,7 @@
           <p:cNvPr id="5" name="Date Placeholder 4">
             <a:extLst>
               <a:ext uri="{FF2B5EF4-FFF2-40B4-BE49-F238E27FC236}">
-                <a16:creationId xmlns:a16="http://schemas.microsoft.com/office/drawing/2014/main" id="{64B6E568-6D35-4FE3-94A1-C8E3CC627B32}"/>
+                <a16:creationId xmlns:a16="http://schemas.microsoft.com/office/drawing/2014/main" xmlns="" id="{64B6E568-6D35-4FE3-94A1-C8E3CC627B32}"/>
               </a:ext>
             </a:extLst>
           </p:cNvPr>
@@ -1434,7 +1434,7 @@
           <a:p>
             <a:fld id="{A2DB2A0C-8F34-4470-B7BE-5AD818DE895F}" type="datetimeFigureOut">
               <a:rPr lang="en-GB" smtClean="0"/>
-              <a:t>20/05/2020</a:t>
+              <a:t>07/06/2020</a:t>
             </a:fld>
             <a:endParaRPr lang="en-GB"/>
           </a:p>
@@ -1445,7 +1445,7 @@
           <p:cNvPr id="6" name="Footer Placeholder 5">
             <a:extLst>
               <a:ext uri="{FF2B5EF4-FFF2-40B4-BE49-F238E27FC236}">
-                <a16:creationId xmlns:a16="http://schemas.microsoft.com/office/drawing/2014/main" id="{DE42D0F1-51FE-4708-9436-316243706BF3}"/>
+                <a16:creationId xmlns:a16="http://schemas.microsoft.com/office/drawing/2014/main" xmlns="" id="{DE42D0F1-51FE-4708-9436-316243706BF3}"/>
               </a:ext>
             </a:extLst>
           </p:cNvPr>
@@ -1470,7 +1470,7 @@
           <p:cNvPr id="7" name="Slide Number Placeholder 6">
             <a:extLst>
               <a:ext uri="{FF2B5EF4-FFF2-40B4-BE49-F238E27FC236}">
-                <a16:creationId xmlns:a16="http://schemas.microsoft.com/office/drawing/2014/main" id="{50613684-44BA-49DB-B089-FEB16872FC65}"/>
+                <a16:creationId xmlns:a16="http://schemas.microsoft.com/office/drawing/2014/main" xmlns="" id="{50613684-44BA-49DB-B089-FEB16872FC65}"/>
               </a:ext>
             </a:extLst>
           </p:cNvPr>
@@ -1529,7 +1529,7 @@
           <p:cNvPr id="2" name="Title 1">
             <a:extLst>
               <a:ext uri="{FF2B5EF4-FFF2-40B4-BE49-F238E27FC236}">
-                <a16:creationId xmlns:a16="http://schemas.microsoft.com/office/drawing/2014/main" id="{5ADAAE9C-35DF-4439-B8EB-D6C5D110A965}"/>
+                <a16:creationId xmlns:a16="http://schemas.microsoft.com/office/drawing/2014/main" xmlns="" id="{5ADAAE9C-35DF-4439-B8EB-D6C5D110A965}"/>
               </a:ext>
             </a:extLst>
           </p:cNvPr>
@@ -1563,7 +1563,7 @@
           <p:cNvPr id="3" name="Text Placeholder 2">
             <a:extLst>
               <a:ext uri="{FF2B5EF4-FFF2-40B4-BE49-F238E27FC236}">
-                <a16:creationId xmlns:a16="http://schemas.microsoft.com/office/drawing/2014/main" id="{C317419F-6466-4928-8FA2-D182FDF8FC90}"/>
+                <a16:creationId xmlns:a16="http://schemas.microsoft.com/office/drawing/2014/main" xmlns="" id="{C317419F-6466-4928-8FA2-D182FDF8FC90}"/>
               </a:ext>
             </a:extLst>
           </p:cNvPr>
@@ -1634,7 +1634,7 @@
           <p:cNvPr id="4" name="Content Placeholder 3">
             <a:extLst>
               <a:ext uri="{FF2B5EF4-FFF2-40B4-BE49-F238E27FC236}">
-                <a16:creationId xmlns:a16="http://schemas.microsoft.com/office/drawing/2014/main" id="{0BBAE294-D529-4C47-973A-EFE00ACB6F18}"/>
+                <a16:creationId xmlns:a16="http://schemas.microsoft.com/office/drawing/2014/main" xmlns="" id="{0BBAE294-D529-4C47-973A-EFE00ACB6F18}"/>
               </a:ext>
             </a:extLst>
           </p:cNvPr>
@@ -1697,7 +1697,7 @@
           <p:cNvPr id="5" name="Text Placeholder 4">
             <a:extLst>
               <a:ext uri="{FF2B5EF4-FFF2-40B4-BE49-F238E27FC236}">
-                <a16:creationId xmlns:a16="http://schemas.microsoft.com/office/drawing/2014/main" id="{8DA59280-C8E9-4E5B-8D65-8AFAD03FDC8C}"/>
+                <a16:creationId xmlns:a16="http://schemas.microsoft.com/office/drawing/2014/main" xmlns="" id="{8DA59280-C8E9-4E5B-8D65-8AFAD03FDC8C}"/>
               </a:ext>
             </a:extLst>
           </p:cNvPr>
@@ -1768,7 +1768,7 @@
           <p:cNvPr id="6" name="Content Placeholder 5">
             <a:extLst>
               <a:ext uri="{FF2B5EF4-FFF2-40B4-BE49-F238E27FC236}">
-                <a16:creationId xmlns:a16="http://schemas.microsoft.com/office/drawing/2014/main" id="{A61BF335-5473-4CDC-965E-92EB444FCD8C}"/>
+                <a16:creationId xmlns:a16="http://schemas.microsoft.com/office/drawing/2014/main" xmlns="" id="{A61BF335-5473-4CDC-965E-92EB444FCD8C}"/>
               </a:ext>
             </a:extLst>
           </p:cNvPr>
@@ -1831,7 +1831,7 @@
           <p:cNvPr id="7" name="Date Placeholder 6">
             <a:extLst>
               <a:ext uri="{FF2B5EF4-FFF2-40B4-BE49-F238E27FC236}">
-                <a16:creationId xmlns:a16="http://schemas.microsoft.com/office/drawing/2014/main" id="{4213F32C-EF66-4F2E-BC38-A99F216E0984}"/>
+                <a16:creationId xmlns:a16="http://schemas.microsoft.com/office/drawing/2014/main" xmlns="" id="{4213F32C-EF66-4F2E-BC38-A99F216E0984}"/>
               </a:ext>
             </a:extLst>
           </p:cNvPr>
@@ -1849,7 +1849,7 @@
           <a:p>
             <a:fld id="{A2DB2A0C-8F34-4470-B7BE-5AD818DE895F}" type="datetimeFigureOut">
               <a:rPr lang="en-GB" smtClean="0"/>
-              <a:t>20/05/2020</a:t>
+              <a:t>07/06/2020</a:t>
             </a:fld>
             <a:endParaRPr lang="en-GB"/>
           </a:p>
@@ -1860,7 +1860,7 @@
           <p:cNvPr id="8" name="Footer Placeholder 7">
             <a:extLst>
               <a:ext uri="{FF2B5EF4-FFF2-40B4-BE49-F238E27FC236}">
-                <a16:creationId xmlns:a16="http://schemas.microsoft.com/office/drawing/2014/main" id="{ED951661-E903-4B64-B51C-6C32F66126C1}"/>
+                <a16:creationId xmlns:a16="http://schemas.microsoft.com/office/drawing/2014/main" xmlns="" id="{ED951661-E903-4B64-B51C-6C32F66126C1}"/>
               </a:ext>
             </a:extLst>
           </p:cNvPr>
@@ -1885,7 +1885,7 @@
           <p:cNvPr id="9" name="Slide Number Placeholder 8">
             <a:extLst>
               <a:ext uri="{FF2B5EF4-FFF2-40B4-BE49-F238E27FC236}">
-                <a16:creationId xmlns:a16="http://schemas.microsoft.com/office/drawing/2014/main" id="{2AD4D195-7C71-4C9A-BDFD-E5CB35F127D6}"/>
+                <a16:creationId xmlns:a16="http://schemas.microsoft.com/office/drawing/2014/main" xmlns="" id="{2AD4D195-7C71-4C9A-BDFD-E5CB35F127D6}"/>
               </a:ext>
             </a:extLst>
           </p:cNvPr>
@@ -1944,7 +1944,7 @@
           <p:cNvPr id="2" name="Title 1">
             <a:extLst>
               <a:ext uri="{FF2B5EF4-FFF2-40B4-BE49-F238E27FC236}">
-                <a16:creationId xmlns:a16="http://schemas.microsoft.com/office/drawing/2014/main" id="{188DCDF5-F8A1-41FB-B8C6-63E7C7541298}"/>
+                <a16:creationId xmlns:a16="http://schemas.microsoft.com/office/drawing/2014/main" xmlns="" id="{188DCDF5-F8A1-41FB-B8C6-63E7C7541298}"/>
               </a:ext>
             </a:extLst>
           </p:cNvPr>
@@ -1973,7 +1973,7 @@
           <p:cNvPr id="3" name="Date Placeholder 2">
             <a:extLst>
               <a:ext uri="{FF2B5EF4-FFF2-40B4-BE49-F238E27FC236}">
-                <a16:creationId xmlns:a16="http://schemas.microsoft.com/office/drawing/2014/main" id="{63E7F041-727A-4821-BD90-FAAC49FD5E63}"/>
+                <a16:creationId xmlns:a16="http://schemas.microsoft.com/office/drawing/2014/main" xmlns="" id="{63E7F041-727A-4821-BD90-FAAC49FD5E63}"/>
               </a:ext>
             </a:extLst>
           </p:cNvPr>
@@ -1991,7 +1991,7 @@
           <a:p>
             <a:fld id="{A2DB2A0C-8F34-4470-B7BE-5AD818DE895F}" type="datetimeFigureOut">
               <a:rPr lang="en-GB" smtClean="0"/>
-              <a:t>20/05/2020</a:t>
+              <a:t>07/06/2020</a:t>
             </a:fld>
             <a:endParaRPr lang="en-GB"/>
           </a:p>
@@ -2002,7 +2002,7 @@
           <p:cNvPr id="4" name="Footer Placeholder 3">
             <a:extLst>
               <a:ext uri="{FF2B5EF4-FFF2-40B4-BE49-F238E27FC236}">
-                <a16:creationId xmlns:a16="http://schemas.microsoft.com/office/drawing/2014/main" id="{01AA9E1A-BDE5-461C-BC3B-399783C077B4}"/>
+                <a16:creationId xmlns:a16="http://schemas.microsoft.com/office/drawing/2014/main" xmlns="" id="{01AA9E1A-BDE5-461C-BC3B-399783C077B4}"/>
               </a:ext>
             </a:extLst>
           </p:cNvPr>
@@ -2027,7 +2027,7 @@
           <p:cNvPr id="5" name="Slide Number Placeholder 4">
             <a:extLst>
               <a:ext uri="{FF2B5EF4-FFF2-40B4-BE49-F238E27FC236}">
-                <a16:creationId xmlns:a16="http://schemas.microsoft.com/office/drawing/2014/main" id="{710F0519-0ABB-4585-8EF5-F605432DAC2C}"/>
+                <a16:creationId xmlns:a16="http://schemas.microsoft.com/office/drawing/2014/main" xmlns="" id="{710F0519-0ABB-4585-8EF5-F605432DAC2C}"/>
               </a:ext>
             </a:extLst>
           </p:cNvPr>
@@ -2086,7 +2086,7 @@
           <p:cNvPr id="2" name="Date Placeholder 1">
             <a:extLst>
               <a:ext uri="{FF2B5EF4-FFF2-40B4-BE49-F238E27FC236}">
-                <a16:creationId xmlns:a16="http://schemas.microsoft.com/office/drawing/2014/main" id="{2B12A3B5-BEB8-4C0F-AED2-F0C187E29B90}"/>
+                <a16:creationId xmlns:a16="http://schemas.microsoft.com/office/drawing/2014/main" xmlns="" id="{2B12A3B5-BEB8-4C0F-AED2-F0C187E29B90}"/>
               </a:ext>
             </a:extLst>
           </p:cNvPr>
@@ -2104,7 +2104,7 @@
           <a:p>
             <a:fld id="{A2DB2A0C-8F34-4470-B7BE-5AD818DE895F}" type="datetimeFigureOut">
               <a:rPr lang="en-GB" smtClean="0"/>
-              <a:t>20/05/2020</a:t>
+              <a:t>07/06/2020</a:t>
             </a:fld>
             <a:endParaRPr lang="en-GB"/>
           </a:p>
@@ -2115,7 +2115,7 @@
           <p:cNvPr id="3" name="Footer Placeholder 2">
             <a:extLst>
               <a:ext uri="{FF2B5EF4-FFF2-40B4-BE49-F238E27FC236}">
-                <a16:creationId xmlns:a16="http://schemas.microsoft.com/office/drawing/2014/main" id="{97049B49-6CBA-4349-89EF-8A65F4AEC7EA}"/>
+                <a16:creationId xmlns:a16="http://schemas.microsoft.com/office/drawing/2014/main" xmlns="" id="{97049B49-6CBA-4349-89EF-8A65F4AEC7EA}"/>
               </a:ext>
             </a:extLst>
           </p:cNvPr>
@@ -2140,7 +2140,7 @@
           <p:cNvPr id="4" name="Slide Number Placeholder 3">
             <a:extLst>
               <a:ext uri="{FF2B5EF4-FFF2-40B4-BE49-F238E27FC236}">
-                <a16:creationId xmlns:a16="http://schemas.microsoft.com/office/drawing/2014/main" id="{F5FC07F3-7961-49B0-BD1A-7B2D4B356536}"/>
+                <a16:creationId xmlns:a16="http://schemas.microsoft.com/office/drawing/2014/main" xmlns="" id="{F5FC07F3-7961-49B0-BD1A-7B2D4B356536}"/>
               </a:ext>
             </a:extLst>
           </p:cNvPr>
@@ -2199,7 +2199,7 @@
           <p:cNvPr id="2" name="Title 1">
             <a:extLst>
               <a:ext uri="{FF2B5EF4-FFF2-40B4-BE49-F238E27FC236}">
-                <a16:creationId xmlns:a16="http://schemas.microsoft.com/office/drawing/2014/main" id="{41FC7B5F-108F-49CB-833A-D83C32F677E4}"/>
+                <a16:creationId xmlns:a16="http://schemas.microsoft.com/office/drawing/2014/main" xmlns="" id="{41FC7B5F-108F-49CB-833A-D83C32F677E4}"/>
               </a:ext>
             </a:extLst>
           </p:cNvPr>
@@ -2237,7 +2237,7 @@
           <p:cNvPr id="3" name="Content Placeholder 2">
             <a:extLst>
               <a:ext uri="{FF2B5EF4-FFF2-40B4-BE49-F238E27FC236}">
-                <a16:creationId xmlns:a16="http://schemas.microsoft.com/office/drawing/2014/main" id="{107FCAC9-C744-409C-B546-86404577E5E3}"/>
+                <a16:creationId xmlns:a16="http://schemas.microsoft.com/office/drawing/2014/main" xmlns="" id="{107FCAC9-C744-409C-B546-86404577E5E3}"/>
               </a:ext>
             </a:extLst>
           </p:cNvPr>
@@ -2328,7 +2328,7 @@
           <p:cNvPr id="4" name="Text Placeholder 3">
             <a:extLst>
               <a:ext uri="{FF2B5EF4-FFF2-40B4-BE49-F238E27FC236}">
-                <a16:creationId xmlns:a16="http://schemas.microsoft.com/office/drawing/2014/main" id="{148A3B66-BCC1-4BB1-A402-F6DD2F040924}"/>
+                <a16:creationId xmlns:a16="http://schemas.microsoft.com/office/drawing/2014/main" xmlns="" id="{148A3B66-BCC1-4BB1-A402-F6DD2F040924}"/>
               </a:ext>
             </a:extLst>
           </p:cNvPr>
@@ -2399,7 +2399,7 @@
           <p:cNvPr id="5" name="Date Placeholder 4">
             <a:extLst>
               <a:ext uri="{FF2B5EF4-FFF2-40B4-BE49-F238E27FC236}">
-                <a16:creationId xmlns:a16="http://schemas.microsoft.com/office/drawing/2014/main" id="{F4ABE4D0-5C09-4A96-A8AD-7B5F332A82DA}"/>
+                <a16:creationId xmlns:a16="http://schemas.microsoft.com/office/drawing/2014/main" xmlns="" id="{F4ABE4D0-5C09-4A96-A8AD-7B5F332A82DA}"/>
               </a:ext>
             </a:extLst>
           </p:cNvPr>
@@ -2417,7 +2417,7 @@
           <a:p>
             <a:fld id="{A2DB2A0C-8F34-4470-B7BE-5AD818DE895F}" type="datetimeFigureOut">
               <a:rPr lang="en-GB" smtClean="0"/>
-              <a:t>20/05/2020</a:t>
+              <a:t>07/06/2020</a:t>
             </a:fld>
             <a:endParaRPr lang="en-GB"/>
           </a:p>
@@ -2428,7 +2428,7 @@
           <p:cNvPr id="6" name="Footer Placeholder 5">
             <a:extLst>
               <a:ext uri="{FF2B5EF4-FFF2-40B4-BE49-F238E27FC236}">
-                <a16:creationId xmlns:a16="http://schemas.microsoft.com/office/drawing/2014/main" id="{86ED282F-E57B-4610-9887-6373901956D0}"/>
+                <a16:creationId xmlns:a16="http://schemas.microsoft.com/office/drawing/2014/main" xmlns="" id="{86ED282F-E57B-4610-9887-6373901956D0}"/>
               </a:ext>
             </a:extLst>
           </p:cNvPr>
@@ -2453,7 +2453,7 @@
           <p:cNvPr id="7" name="Slide Number Placeholder 6">
             <a:extLst>
               <a:ext uri="{FF2B5EF4-FFF2-40B4-BE49-F238E27FC236}">
-                <a16:creationId xmlns:a16="http://schemas.microsoft.com/office/drawing/2014/main" id="{28B93675-2F2E-4528-AD2E-F67C08AD19CB}"/>
+                <a16:creationId xmlns:a16="http://schemas.microsoft.com/office/drawing/2014/main" xmlns="" id="{28B93675-2F2E-4528-AD2E-F67C08AD19CB}"/>
               </a:ext>
             </a:extLst>
           </p:cNvPr>
@@ -2512,7 +2512,7 @@
           <p:cNvPr id="2" name="Title 1">
             <a:extLst>
               <a:ext uri="{FF2B5EF4-FFF2-40B4-BE49-F238E27FC236}">
-                <a16:creationId xmlns:a16="http://schemas.microsoft.com/office/drawing/2014/main" id="{CB0A43E2-1991-4F5C-82AE-B20181709BF6}"/>
+                <a16:creationId xmlns:a16="http://schemas.microsoft.com/office/drawing/2014/main" xmlns="" id="{CB0A43E2-1991-4F5C-82AE-B20181709BF6}"/>
               </a:ext>
             </a:extLst>
           </p:cNvPr>
@@ -2550,7 +2550,7 @@
           <p:cNvPr id="3" name="Picture Placeholder 2">
             <a:extLst>
               <a:ext uri="{FF2B5EF4-FFF2-40B4-BE49-F238E27FC236}">
-                <a16:creationId xmlns:a16="http://schemas.microsoft.com/office/drawing/2014/main" id="{091938C8-0396-4B7A-AE08-BC316558C143}"/>
+                <a16:creationId xmlns:a16="http://schemas.microsoft.com/office/drawing/2014/main" xmlns="" id="{091938C8-0396-4B7A-AE08-BC316558C143}"/>
               </a:ext>
             </a:extLst>
           </p:cNvPr>
@@ -2617,7 +2617,7 @@
           <p:cNvPr id="4" name="Text Placeholder 3">
             <a:extLst>
               <a:ext uri="{FF2B5EF4-FFF2-40B4-BE49-F238E27FC236}">
-                <a16:creationId xmlns:a16="http://schemas.microsoft.com/office/drawing/2014/main" id="{A96996E2-A73A-4498-8842-815AF0732F22}"/>
+                <a16:creationId xmlns:a16="http://schemas.microsoft.com/office/drawing/2014/main" xmlns="" id="{A96996E2-A73A-4498-8842-815AF0732F22}"/>
               </a:ext>
             </a:extLst>
           </p:cNvPr>
@@ -2688,7 +2688,7 @@
           <p:cNvPr id="5" name="Date Placeholder 4">
             <a:extLst>
               <a:ext uri="{FF2B5EF4-FFF2-40B4-BE49-F238E27FC236}">
-                <a16:creationId xmlns:a16="http://schemas.microsoft.com/office/drawing/2014/main" id="{91D5F2A6-1FE8-488C-9CF3-1F5F69FF0FB0}"/>
+                <a16:creationId xmlns:a16="http://schemas.microsoft.com/office/drawing/2014/main" xmlns="" id="{91D5F2A6-1FE8-488C-9CF3-1F5F69FF0FB0}"/>
               </a:ext>
             </a:extLst>
           </p:cNvPr>
@@ -2706,7 +2706,7 @@
           <a:p>
             <a:fld id="{A2DB2A0C-8F34-4470-B7BE-5AD818DE895F}" type="datetimeFigureOut">
               <a:rPr lang="en-GB" smtClean="0"/>
-              <a:t>20/05/2020</a:t>
+              <a:t>07/06/2020</a:t>
             </a:fld>
             <a:endParaRPr lang="en-GB"/>
           </a:p>
@@ -2717,7 +2717,7 @@
           <p:cNvPr id="6" name="Footer Placeholder 5">
             <a:extLst>
               <a:ext uri="{FF2B5EF4-FFF2-40B4-BE49-F238E27FC236}">
-                <a16:creationId xmlns:a16="http://schemas.microsoft.com/office/drawing/2014/main" id="{CF101D83-A0BB-4A2F-99C0-B52834444748}"/>
+                <a16:creationId xmlns:a16="http://schemas.microsoft.com/office/drawing/2014/main" xmlns="" id="{CF101D83-A0BB-4A2F-99C0-B52834444748}"/>
               </a:ext>
             </a:extLst>
           </p:cNvPr>
@@ -2742,7 +2742,7 @@
           <p:cNvPr id="7" name="Slide Number Placeholder 6">
             <a:extLst>
               <a:ext uri="{FF2B5EF4-FFF2-40B4-BE49-F238E27FC236}">
-                <a16:creationId xmlns:a16="http://schemas.microsoft.com/office/drawing/2014/main" id="{B8617840-387A-4B50-9F28-4CA0F4E055FA}"/>
+                <a16:creationId xmlns:a16="http://schemas.microsoft.com/office/drawing/2014/main" xmlns="" id="{B8617840-387A-4B50-9F28-4CA0F4E055FA}"/>
               </a:ext>
             </a:extLst>
           </p:cNvPr>
@@ -2806,7 +2806,7 @@
           <p:cNvPr id="2" name="Title Placeholder 1">
             <a:extLst>
               <a:ext uri="{FF2B5EF4-FFF2-40B4-BE49-F238E27FC236}">
-                <a16:creationId xmlns:a16="http://schemas.microsoft.com/office/drawing/2014/main" id="{4E7DD878-C15E-4972-AA46-914FA171C7EE}"/>
+                <a16:creationId xmlns:a16="http://schemas.microsoft.com/office/drawing/2014/main" xmlns="" id="{4E7DD878-C15E-4972-AA46-914FA171C7EE}"/>
               </a:ext>
             </a:extLst>
           </p:cNvPr>
@@ -2845,7 +2845,7 @@
           <p:cNvPr id="3" name="Text Placeholder 2">
             <a:extLst>
               <a:ext uri="{FF2B5EF4-FFF2-40B4-BE49-F238E27FC236}">
-                <a16:creationId xmlns:a16="http://schemas.microsoft.com/office/drawing/2014/main" id="{16AE21E9-29D8-47E7-82CB-ACFD4CBF5D5B}"/>
+                <a16:creationId xmlns:a16="http://schemas.microsoft.com/office/drawing/2014/main" xmlns="" id="{16AE21E9-29D8-47E7-82CB-ACFD4CBF5D5B}"/>
               </a:ext>
             </a:extLst>
           </p:cNvPr>
@@ -2913,7 +2913,7 @@
           <p:cNvPr id="4" name="Date Placeholder 3">
             <a:extLst>
               <a:ext uri="{FF2B5EF4-FFF2-40B4-BE49-F238E27FC236}">
-                <a16:creationId xmlns:a16="http://schemas.microsoft.com/office/drawing/2014/main" id="{1BDB4B1F-23AF-4366-8C78-25EC186633C8}"/>
+                <a16:creationId xmlns:a16="http://schemas.microsoft.com/office/drawing/2014/main" xmlns="" id="{1BDB4B1F-23AF-4366-8C78-25EC186633C8}"/>
               </a:ext>
             </a:extLst>
           </p:cNvPr>
@@ -2949,7 +2949,7 @@
           <a:p>
             <a:fld id="{A2DB2A0C-8F34-4470-B7BE-5AD818DE895F}" type="datetimeFigureOut">
               <a:rPr lang="en-GB" smtClean="0"/>
-              <a:t>20/05/2020</a:t>
+              <a:t>07/06/2020</a:t>
             </a:fld>
             <a:endParaRPr lang="en-GB"/>
           </a:p>
@@ -2960,7 +2960,7 @@
           <p:cNvPr id="5" name="Footer Placeholder 4">
             <a:extLst>
               <a:ext uri="{FF2B5EF4-FFF2-40B4-BE49-F238E27FC236}">
-                <a16:creationId xmlns:a16="http://schemas.microsoft.com/office/drawing/2014/main" id="{CD2CBD74-8C26-45CA-910B-5C4F06860D2A}"/>
+                <a16:creationId xmlns:a16="http://schemas.microsoft.com/office/drawing/2014/main" xmlns="" id="{CD2CBD74-8C26-45CA-910B-5C4F06860D2A}"/>
               </a:ext>
             </a:extLst>
           </p:cNvPr>
@@ -3003,7 +3003,7 @@
           <p:cNvPr id="6" name="Slide Number Placeholder 5">
             <a:extLst>
               <a:ext uri="{FF2B5EF4-FFF2-40B4-BE49-F238E27FC236}">
-                <a16:creationId xmlns:a16="http://schemas.microsoft.com/office/drawing/2014/main" id="{D77D5ADA-1A8E-4A28-B77D-32132AE2D841}"/>
+                <a16:creationId xmlns:a16="http://schemas.microsoft.com/office/drawing/2014/main" xmlns="" id="{D77D5ADA-1A8E-4A28-B77D-32132AE2D841}"/>
               </a:ext>
             </a:extLst>
           </p:cNvPr>
@@ -3371,7 +3371,7 @@
           <p:cNvPr id="2" name="Title 1">
             <a:extLst>
               <a:ext uri="{FF2B5EF4-FFF2-40B4-BE49-F238E27FC236}">
-                <a16:creationId xmlns:a16="http://schemas.microsoft.com/office/drawing/2014/main" id="{955E07FA-F19D-4BAA-BCBA-D89AE444EEDE}"/>
+                <a16:creationId xmlns:a16="http://schemas.microsoft.com/office/drawing/2014/main" xmlns="" id="{955E07FA-F19D-4BAA-BCBA-D89AE444EEDE}"/>
               </a:ext>
             </a:extLst>
           </p:cNvPr>
@@ -3403,7 +3403,7 @@
           <p:cNvPr id="3" name="Subtitle 2">
             <a:extLst>
               <a:ext uri="{FF2B5EF4-FFF2-40B4-BE49-F238E27FC236}">
-                <a16:creationId xmlns:a16="http://schemas.microsoft.com/office/drawing/2014/main" id="{7F468935-5F3A-4394-AF1A-AC288B84BA5A}"/>
+                <a16:creationId xmlns:a16="http://schemas.microsoft.com/office/drawing/2014/main" xmlns="" id="{7F468935-5F3A-4394-AF1A-AC288B84BA5A}"/>
               </a:ext>
             </a:extLst>
           </p:cNvPr>
@@ -3478,7 +3478,7 @@
           <p:cNvPr id="2" name="Title 1">
             <a:extLst>
               <a:ext uri="{FF2B5EF4-FFF2-40B4-BE49-F238E27FC236}">
-                <a16:creationId xmlns:a16="http://schemas.microsoft.com/office/drawing/2014/main" id="{DCA0B7DC-9EAC-48D2-B88D-94C5E5BB3277}"/>
+                <a16:creationId xmlns:a16="http://schemas.microsoft.com/office/drawing/2014/main" xmlns="" id="{DCA0B7DC-9EAC-48D2-B88D-94C5E5BB3277}"/>
               </a:ext>
             </a:extLst>
           </p:cNvPr>
@@ -3496,6 +3496,10 @@
           </a:bodyPr>
           <a:lstStyle/>
           <a:p>
+            <a:r>
+              <a:rPr lang="en-GB" b="1" cap="all" dirty="0"/>
+              <a:t/>
+            </a:r>
             <a:br>
               <a:rPr lang="en-GB" b="1" cap="all" dirty="0"/>
             </a:br>
@@ -3507,6 +3511,10 @@
               </a:rPr>
               <a:t>Design your Home Office with Tech Needs In Mind</a:t>
             </a:r>
+            <a:r>
+              <a:rPr lang="en-GB" b="1" cap="all" dirty="0"/>
+              <a:t/>
+            </a:r>
             <a:br>
               <a:rPr lang="en-GB" b="1" cap="all" dirty="0"/>
             </a:br>
@@ -3519,7 +3527,7 @@
           <p:cNvPr id="3" name="Content Placeholder 2">
             <a:extLst>
               <a:ext uri="{FF2B5EF4-FFF2-40B4-BE49-F238E27FC236}">
-                <a16:creationId xmlns:a16="http://schemas.microsoft.com/office/drawing/2014/main" id="{B3FAA49B-810F-4060-9386-857B7256C406}"/>
+                <a16:creationId xmlns:a16="http://schemas.microsoft.com/office/drawing/2014/main" xmlns="" id="{B3FAA49B-810F-4060-9386-857B7256C406}"/>
               </a:ext>
             </a:extLst>
           </p:cNvPr>
@@ -3588,7 +3596,7 @@
           <p:cNvPr id="2" name="Title 1">
             <a:extLst>
               <a:ext uri="{FF2B5EF4-FFF2-40B4-BE49-F238E27FC236}">
-                <a16:creationId xmlns:a16="http://schemas.microsoft.com/office/drawing/2014/main" id="{DCA0B7DC-9EAC-48D2-B88D-94C5E5BB3277}"/>
+                <a16:creationId xmlns:a16="http://schemas.microsoft.com/office/drawing/2014/main" xmlns="" id="{DCA0B7DC-9EAC-48D2-B88D-94C5E5BB3277}"/>
               </a:ext>
             </a:extLst>
           </p:cNvPr>
@@ -3611,9 +3619,21 @@
           </a:bodyPr>
           <a:lstStyle/>
           <a:p>
+            <a:r>
+              <a:rPr lang="en-GB" b="1" cap="all" dirty="0"/>
+              <a:t/>
+            </a:r>
             <a:br>
               <a:rPr lang="en-GB" b="1" cap="all" dirty="0"/>
             </a:br>
+            <a:r>
+              <a:rPr lang="en-GB" b="1" dirty="0">
+                <a:solidFill>
+                  <a:schemeClr val="accent6"/>
+                </a:solidFill>
+              </a:rPr>
+              <a:t/>
+            </a:r>
             <a:br>
               <a:rPr lang="en-GB" b="1" dirty="0">
                 <a:solidFill>
@@ -3629,6 +3649,10 @@
               </a:rPr>
               <a:t>Pick a Great Office Chair</a:t>
             </a:r>
+            <a:r>
+              <a:rPr lang="en-GB" b="1" dirty="0"/>
+              <a:t/>
+            </a:r>
             <a:br>
               <a:rPr lang="en-GB" b="1" dirty="0"/>
             </a:br>
@@ -3641,7 +3665,7 @@
           <p:cNvPr id="3" name="Content Placeholder 2">
             <a:extLst>
               <a:ext uri="{FF2B5EF4-FFF2-40B4-BE49-F238E27FC236}">
-                <a16:creationId xmlns:a16="http://schemas.microsoft.com/office/drawing/2014/main" id="{B3FAA49B-810F-4060-9386-857B7256C406}"/>
+                <a16:creationId xmlns:a16="http://schemas.microsoft.com/office/drawing/2014/main" xmlns="" id="{B3FAA49B-810F-4060-9386-857B7256C406}"/>
               </a:ext>
             </a:extLst>
           </p:cNvPr>
@@ -3725,7 +3749,7 @@
           <p:cNvPr id="2" name="Title 1">
             <a:extLst>
               <a:ext uri="{FF2B5EF4-FFF2-40B4-BE49-F238E27FC236}">
-                <a16:creationId xmlns:a16="http://schemas.microsoft.com/office/drawing/2014/main" id="{DCA0B7DC-9EAC-48D2-B88D-94C5E5BB3277}"/>
+                <a16:creationId xmlns:a16="http://schemas.microsoft.com/office/drawing/2014/main" xmlns="" id="{DCA0B7DC-9EAC-48D2-B88D-94C5E5BB3277}"/>
               </a:ext>
             </a:extLst>
           </p:cNvPr>
@@ -3764,7 +3788,7 @@
           <p:cNvPr id="3" name="Content Placeholder 2">
             <a:extLst>
               <a:ext uri="{FF2B5EF4-FFF2-40B4-BE49-F238E27FC236}">
-                <a16:creationId xmlns:a16="http://schemas.microsoft.com/office/drawing/2014/main" id="{B3FAA49B-810F-4060-9386-857B7256C406}"/>
+                <a16:creationId xmlns:a16="http://schemas.microsoft.com/office/drawing/2014/main" xmlns="" id="{B3FAA49B-810F-4060-9386-857B7256C406}"/>
               </a:ext>
             </a:extLst>
           </p:cNvPr>
@@ -3871,7 +3895,7 @@
           <p:cNvPr id="2" name="Title 1">
             <a:extLst>
               <a:ext uri="{FF2B5EF4-FFF2-40B4-BE49-F238E27FC236}">
-                <a16:creationId xmlns:a16="http://schemas.microsoft.com/office/drawing/2014/main" id="{DCA0B7DC-9EAC-48D2-B88D-94C5E5BB3277}"/>
+                <a16:creationId xmlns:a16="http://schemas.microsoft.com/office/drawing/2014/main" xmlns="" id="{DCA0B7DC-9EAC-48D2-B88D-94C5E5BB3277}"/>
               </a:ext>
             </a:extLst>
           </p:cNvPr>
@@ -3910,7 +3934,7 @@
           <p:cNvPr id="3" name="Content Placeholder 2">
             <a:extLst>
               <a:ext uri="{FF2B5EF4-FFF2-40B4-BE49-F238E27FC236}">
-                <a16:creationId xmlns:a16="http://schemas.microsoft.com/office/drawing/2014/main" id="{B3FAA49B-810F-4060-9386-857B7256C406}"/>
+                <a16:creationId xmlns:a16="http://schemas.microsoft.com/office/drawing/2014/main" xmlns="" id="{B3FAA49B-810F-4060-9386-857B7256C406}"/>
               </a:ext>
             </a:extLst>
           </p:cNvPr>
@@ -3980,7 +4004,7 @@
           <p:cNvPr id="2" name="Title 1">
             <a:extLst>
               <a:ext uri="{FF2B5EF4-FFF2-40B4-BE49-F238E27FC236}">
-                <a16:creationId xmlns:a16="http://schemas.microsoft.com/office/drawing/2014/main" id="{DCA0B7DC-9EAC-48D2-B88D-94C5E5BB3277}"/>
+                <a16:creationId xmlns:a16="http://schemas.microsoft.com/office/drawing/2014/main" xmlns="" id="{DCA0B7DC-9EAC-48D2-B88D-94C5E5BB3277}"/>
               </a:ext>
             </a:extLst>
           </p:cNvPr>
@@ -4006,6 +4030,10 @@
               </a:rPr>
               <a:t>An Ergonomic keyboard to give your wrists a break</a:t>
             </a:r>
+            <a:r>
+              <a:rPr lang="en-GB" dirty="0"/>
+              <a:t/>
+            </a:r>
             <a:br>
               <a:rPr lang="en-GB" dirty="0"/>
             </a:br>
@@ -4018,7 +4046,7 @@
           <p:cNvPr id="3" name="Content Placeholder 2">
             <a:extLst>
               <a:ext uri="{FF2B5EF4-FFF2-40B4-BE49-F238E27FC236}">
-                <a16:creationId xmlns:a16="http://schemas.microsoft.com/office/drawing/2014/main" id="{B3FAA49B-810F-4060-9386-857B7256C406}"/>
+                <a16:creationId xmlns:a16="http://schemas.microsoft.com/office/drawing/2014/main" xmlns="" id="{B3FAA49B-810F-4060-9386-857B7256C406}"/>
               </a:ext>
             </a:extLst>
           </p:cNvPr>
@@ -4097,7 +4125,7 @@
           <p:cNvPr id="2" name="Title 1">
             <a:extLst>
               <a:ext uri="{FF2B5EF4-FFF2-40B4-BE49-F238E27FC236}">
-                <a16:creationId xmlns:a16="http://schemas.microsoft.com/office/drawing/2014/main" id="{DCA0B7DC-9EAC-48D2-B88D-94C5E5BB3277}"/>
+                <a16:creationId xmlns:a16="http://schemas.microsoft.com/office/drawing/2014/main" xmlns="" id="{DCA0B7DC-9EAC-48D2-B88D-94C5E5BB3277}"/>
               </a:ext>
             </a:extLst>
           </p:cNvPr>
@@ -4128,6 +4156,10 @@
               </a:rPr>
               <a:t>A desk you love because you’re going to spend a lot of time with it</a:t>
             </a:r>
+            <a:r>
+              <a:rPr lang="en-GB" dirty="0"/>
+              <a:t/>
+            </a:r>
             <a:br>
               <a:rPr lang="en-GB" dirty="0"/>
             </a:br>
@@ -4140,7 +4172,7 @@
           <p:cNvPr id="3" name="Content Placeholder 2">
             <a:extLst>
               <a:ext uri="{FF2B5EF4-FFF2-40B4-BE49-F238E27FC236}">
-                <a16:creationId xmlns:a16="http://schemas.microsoft.com/office/drawing/2014/main" id="{B3FAA49B-810F-4060-9386-857B7256C406}"/>
+                <a16:creationId xmlns:a16="http://schemas.microsoft.com/office/drawing/2014/main" xmlns="" id="{B3FAA49B-810F-4060-9386-857B7256C406}"/>
               </a:ext>
             </a:extLst>
           </p:cNvPr>
@@ -4213,7 +4245,7 @@
           <p:cNvPr id="2" name="Title 1">
             <a:extLst>
               <a:ext uri="{FF2B5EF4-FFF2-40B4-BE49-F238E27FC236}">
-                <a16:creationId xmlns:a16="http://schemas.microsoft.com/office/drawing/2014/main" id="{DCA0B7DC-9EAC-48D2-B88D-94C5E5BB3277}"/>
+                <a16:creationId xmlns:a16="http://schemas.microsoft.com/office/drawing/2014/main" xmlns="" id="{DCA0B7DC-9EAC-48D2-B88D-94C5E5BB3277}"/>
               </a:ext>
             </a:extLst>
           </p:cNvPr>
@@ -4236,6 +4268,10 @@
           </a:bodyPr>
           <a:lstStyle/>
           <a:p>
+            <a:r>
+              <a:rPr lang="en-GB" b="1" dirty="0"/>
+              <a:t/>
+            </a:r>
             <a:br>
               <a:rPr lang="en-GB" b="1" dirty="0"/>
             </a:br>
@@ -4263,9 +4299,17 @@
               </a:rPr>
               <a:t> creativity</a:t>
             </a:r>
+            <a:r>
+              <a:rPr lang="en-GB" dirty="0"/>
+              <a:t/>
+            </a:r>
             <a:br>
               <a:rPr lang="en-GB" dirty="0"/>
             </a:br>
+            <a:r>
+              <a:rPr lang="en-GB" dirty="0"/>
+              <a:t/>
+            </a:r>
             <a:br>
               <a:rPr lang="en-GB" dirty="0"/>
             </a:br>
@@ -4278,7 +4322,7 @@
           <p:cNvPr id="3" name="Content Placeholder 2">
             <a:extLst>
               <a:ext uri="{FF2B5EF4-FFF2-40B4-BE49-F238E27FC236}">
-                <a16:creationId xmlns:a16="http://schemas.microsoft.com/office/drawing/2014/main" id="{B3FAA49B-810F-4060-9386-857B7256C406}"/>
+                <a16:creationId xmlns:a16="http://schemas.microsoft.com/office/drawing/2014/main" xmlns="" id="{B3FAA49B-810F-4060-9386-857B7256C406}"/>
               </a:ext>
             </a:extLst>
           </p:cNvPr>
@@ -4375,7 +4419,7 @@
           <p:cNvPr id="2" name="Title 1">
             <a:extLst>
               <a:ext uri="{FF2B5EF4-FFF2-40B4-BE49-F238E27FC236}">
-                <a16:creationId xmlns:a16="http://schemas.microsoft.com/office/drawing/2014/main" id="{DCA0B7DC-9EAC-48D2-B88D-94C5E5BB3277}"/>
+                <a16:creationId xmlns:a16="http://schemas.microsoft.com/office/drawing/2014/main" xmlns="" id="{DCA0B7DC-9EAC-48D2-B88D-94C5E5BB3277}"/>
               </a:ext>
             </a:extLst>
           </p:cNvPr>
@@ -4398,9 +4442,17 @@
           </a:bodyPr>
           <a:lstStyle/>
           <a:p>
+            <a:r>
+              <a:rPr lang="en-GB" b="1" dirty="0"/>
+              <a:t/>
+            </a:r>
             <a:br>
               <a:rPr lang="en-GB" b="1" dirty="0"/>
             </a:br>
+            <a:r>
+              <a:rPr lang="en-GB" b="1" dirty="0"/>
+              <a:t/>
+            </a:r>
             <a:br>
               <a:rPr lang="en-GB" b="1" dirty="0"/>
             </a:br>
@@ -4412,12 +4464,24 @@
               </a:rPr>
               <a:t>Plants to boost your mood</a:t>
             </a:r>
+            <a:r>
+              <a:rPr lang="en-GB" dirty="0"/>
+              <a:t/>
+            </a:r>
             <a:br>
               <a:rPr lang="en-GB" dirty="0"/>
             </a:br>
+            <a:r>
+              <a:rPr lang="en-GB" dirty="0"/>
+              <a:t/>
+            </a:r>
             <a:br>
               <a:rPr lang="en-GB" dirty="0"/>
             </a:br>
+            <a:r>
+              <a:rPr lang="en-GB" dirty="0"/>
+              <a:t/>
+            </a:r>
             <a:br>
               <a:rPr lang="en-GB" dirty="0"/>
             </a:br>
@@ -4430,7 +4494,7 @@
           <p:cNvPr id="3" name="Content Placeholder 2">
             <a:extLst>
               <a:ext uri="{FF2B5EF4-FFF2-40B4-BE49-F238E27FC236}">
-                <a16:creationId xmlns:a16="http://schemas.microsoft.com/office/drawing/2014/main" id="{B3FAA49B-810F-4060-9386-857B7256C406}"/>
+                <a16:creationId xmlns:a16="http://schemas.microsoft.com/office/drawing/2014/main" xmlns="" id="{B3FAA49B-810F-4060-9386-857B7256C406}"/>
               </a:ext>
             </a:extLst>
           </p:cNvPr>
@@ -4457,7 +4521,7 @@
                 <a:hlinkClick r:id="rId2">
                   <a:extLst>
                     <a:ext uri="{A12FA001-AC4F-418D-AE19-62706E023703}">
-                      <ahyp:hlinkClr xmlns:ahyp="http://schemas.microsoft.com/office/drawing/2018/hyperlinkcolor" val="tx"/>
+                      <ahyp:hlinkClr xmlns:ahyp="http://schemas.microsoft.com/office/drawing/2018/hyperlinkcolor" xmlns="" val="tx"/>
                     </a:ext>
                   </a:extLst>
                 </a:hlinkClick>
@@ -4481,7 +4545,7 @@
                 <a:hlinkClick r:id="rId3">
                   <a:extLst>
                     <a:ext uri="{A12FA001-AC4F-418D-AE19-62706E023703}">
-                      <ahyp:hlinkClr xmlns:ahyp="http://schemas.microsoft.com/office/drawing/2018/hyperlinkcolor" val="tx"/>
+                      <ahyp:hlinkClr xmlns:ahyp="http://schemas.microsoft.com/office/drawing/2018/hyperlinkcolor" xmlns="" val="tx"/>
                     </a:ext>
                   </a:extLst>
                 </a:hlinkClick>
@@ -4497,7 +4561,7 @@
                 <a:hlinkClick r:id="rId4">
                   <a:extLst>
                     <a:ext uri="{A12FA001-AC4F-418D-AE19-62706E023703}">
-                      <ahyp:hlinkClr xmlns:ahyp="http://schemas.microsoft.com/office/drawing/2018/hyperlinkcolor" val="tx"/>
+                      <ahyp:hlinkClr xmlns:ahyp="http://schemas.microsoft.com/office/drawing/2018/hyperlinkcolor" xmlns="" val="tx"/>
                     </a:ext>
                   </a:extLst>
                 </a:hlinkClick>
@@ -4509,7 +4573,7 @@
                 <a:hlinkClick r:id="rId4">
                   <a:extLst>
                     <a:ext uri="{A12FA001-AC4F-418D-AE19-62706E023703}">
-                      <ahyp:hlinkClr xmlns:ahyp="http://schemas.microsoft.com/office/drawing/2018/hyperlinkcolor" val="tx"/>
+                      <ahyp:hlinkClr xmlns:ahyp="http://schemas.microsoft.com/office/drawing/2018/hyperlinkcolor" xmlns="" val="tx"/>
                     </a:ext>
                   </a:extLst>
                 </a:hlinkClick>
@@ -4561,7 +4625,7 @@
           <p:cNvPr id="2" name="Title 1">
             <a:extLst>
               <a:ext uri="{FF2B5EF4-FFF2-40B4-BE49-F238E27FC236}">
-                <a16:creationId xmlns:a16="http://schemas.microsoft.com/office/drawing/2014/main" id="{DCA0B7DC-9EAC-48D2-B88D-94C5E5BB3277}"/>
+                <a16:creationId xmlns:a16="http://schemas.microsoft.com/office/drawing/2014/main" xmlns="" id="{DCA0B7DC-9EAC-48D2-B88D-94C5E5BB3277}"/>
               </a:ext>
             </a:extLst>
           </p:cNvPr>
@@ -4579,12 +4643,24 @@
           </a:bodyPr>
           <a:lstStyle/>
           <a:p>
+            <a:r>
+              <a:rPr lang="en-GB" dirty="0"/>
+              <a:t/>
+            </a:r>
             <a:br>
               <a:rPr lang="en-GB" dirty="0"/>
             </a:br>
+            <a:r>
+              <a:rPr lang="en-GB" dirty="0"/>
+              <a:t/>
+            </a:r>
             <a:br>
               <a:rPr lang="en-GB" dirty="0"/>
             </a:br>
+            <a:r>
+              <a:rPr lang="en-GB" dirty="0"/>
+              <a:t/>
+            </a:r>
             <a:br>
               <a:rPr lang="en-GB" dirty="0"/>
             </a:br>
@@ -4596,12 +4672,24 @@
               </a:rPr>
               <a:t>A reliable wireless router because your livelihood depends on it</a:t>
             </a:r>
+            <a:r>
+              <a:rPr lang="en-GB" dirty="0"/>
+              <a:t/>
+            </a:r>
             <a:br>
               <a:rPr lang="en-GB" dirty="0"/>
             </a:br>
+            <a:r>
+              <a:rPr lang="en-GB" dirty="0"/>
+              <a:t/>
+            </a:r>
             <a:br>
               <a:rPr lang="en-GB" dirty="0"/>
             </a:br>
+            <a:r>
+              <a:rPr lang="en-GB" dirty="0"/>
+              <a:t/>
+            </a:r>
             <a:br>
               <a:rPr lang="en-GB" dirty="0"/>
             </a:br>
@@ -4614,7 +4702,7 @@
           <p:cNvPr id="3" name="Content Placeholder 2">
             <a:extLst>
               <a:ext uri="{FF2B5EF4-FFF2-40B4-BE49-F238E27FC236}">
-                <a16:creationId xmlns:a16="http://schemas.microsoft.com/office/drawing/2014/main" id="{B3FAA49B-810F-4060-9386-857B7256C406}"/>
+                <a16:creationId xmlns:a16="http://schemas.microsoft.com/office/drawing/2014/main" xmlns="" id="{B3FAA49B-810F-4060-9386-857B7256C406}"/>
               </a:ext>
             </a:extLst>
           </p:cNvPr>
@@ -4698,7 +4786,7 @@
           <p:cNvPr id="2" name="Title 1">
             <a:extLst>
               <a:ext uri="{FF2B5EF4-FFF2-40B4-BE49-F238E27FC236}">
-                <a16:creationId xmlns:a16="http://schemas.microsoft.com/office/drawing/2014/main" id="{DCA0B7DC-9EAC-48D2-B88D-94C5E5BB3277}"/>
+                <a16:creationId xmlns:a16="http://schemas.microsoft.com/office/drawing/2014/main" xmlns="" id="{DCA0B7DC-9EAC-48D2-B88D-94C5E5BB3277}"/>
               </a:ext>
             </a:extLst>
           </p:cNvPr>
@@ -4716,15 +4804,31 @@
           </a:bodyPr>
           <a:lstStyle/>
           <a:p>
+            <a:r>
+              <a:rPr lang="en-GB" dirty="0"/>
+              <a:t/>
+            </a:r>
             <a:br>
               <a:rPr lang="en-GB" dirty="0"/>
             </a:br>
+            <a:r>
+              <a:rPr lang="en-GB" dirty="0"/>
+              <a:t/>
+            </a:r>
             <a:br>
               <a:rPr lang="en-GB" dirty="0"/>
             </a:br>
+            <a:r>
+              <a:rPr lang="en-GB" dirty="0"/>
+              <a:t/>
+            </a:r>
             <a:br>
               <a:rPr lang="en-GB" dirty="0"/>
             </a:br>
+            <a:r>
+              <a:rPr lang="en-GB" dirty="0"/>
+              <a:t/>
+            </a:r>
             <a:br>
               <a:rPr lang="en-GB" dirty="0"/>
             </a:br>
@@ -4736,15 +4840,31 @@
               </a:rPr>
               <a:t>A big external monitor to transform the way you get things done</a:t>
             </a:r>
+            <a:r>
+              <a:rPr lang="en-GB" dirty="0"/>
+              <a:t/>
+            </a:r>
             <a:br>
               <a:rPr lang="en-GB" dirty="0"/>
             </a:br>
+            <a:r>
+              <a:rPr lang="en-GB" dirty="0"/>
+              <a:t/>
+            </a:r>
             <a:br>
               <a:rPr lang="en-GB" dirty="0"/>
             </a:br>
+            <a:r>
+              <a:rPr lang="en-GB" dirty="0"/>
+              <a:t/>
+            </a:r>
             <a:br>
               <a:rPr lang="en-GB" dirty="0"/>
             </a:br>
+            <a:r>
+              <a:rPr lang="en-GB" dirty="0"/>
+              <a:t/>
+            </a:r>
             <a:br>
               <a:rPr lang="en-GB" dirty="0"/>
             </a:br>
@@ -4757,7 +4877,7 @@
           <p:cNvPr id="3" name="Content Placeholder 2">
             <a:extLst>
               <a:ext uri="{FF2B5EF4-FFF2-40B4-BE49-F238E27FC236}">
-                <a16:creationId xmlns:a16="http://schemas.microsoft.com/office/drawing/2014/main" id="{B3FAA49B-810F-4060-9386-857B7256C406}"/>
+                <a16:creationId xmlns:a16="http://schemas.microsoft.com/office/drawing/2014/main" xmlns="" id="{B3FAA49B-810F-4060-9386-857B7256C406}"/>
               </a:ext>
             </a:extLst>
           </p:cNvPr>
@@ -4845,7 +4965,7 @@
           <p:cNvPr id="2" name="Title 1">
             <a:extLst>
               <a:ext uri="{FF2B5EF4-FFF2-40B4-BE49-F238E27FC236}">
-                <a16:creationId xmlns:a16="http://schemas.microsoft.com/office/drawing/2014/main" id="{5D8C15DE-9B85-4DE4-9764-3D8FF22CC11E}"/>
+                <a16:creationId xmlns:a16="http://schemas.microsoft.com/office/drawing/2014/main" xmlns="" id="{5D8C15DE-9B85-4DE4-9764-3D8FF22CC11E}"/>
               </a:ext>
             </a:extLst>
           </p:cNvPr>
@@ -4863,6 +4983,14 @@
           </a:bodyPr>
           <a:lstStyle/>
           <a:p>
+            <a:r>
+              <a:rPr lang="en-GB" b="1" dirty="0">
+                <a:solidFill>
+                  <a:schemeClr val="accent6"/>
+                </a:solidFill>
+              </a:rPr>
+              <a:t/>
+            </a:r>
             <a:br>
               <a:rPr lang="en-GB" b="1" dirty="0">
                 <a:solidFill>
@@ -4878,6 +5006,18 @@
               </a:rPr>
               <a:t>Why companies need good office at work for home for their employees </a:t>
             </a:r>
+            <a:r>
+              <a:rPr lang="en-GB" b="1" dirty="0" smtClean="0">
+                <a:solidFill>
+                  <a:schemeClr val="accent6"/>
+                </a:solidFill>
+              </a:rPr>
+              <a:t>- done</a:t>
+            </a:r>
+            <a:r>
+              <a:rPr lang="en-GB" b="1" dirty="0"/>
+              <a:t/>
+            </a:r>
             <a:br>
               <a:rPr lang="en-GB" b="1" dirty="0"/>
             </a:br>
@@ -4890,7 +5030,7 @@
           <p:cNvPr id="3" name="Content Placeholder 2">
             <a:extLst>
               <a:ext uri="{FF2B5EF4-FFF2-40B4-BE49-F238E27FC236}">
-                <a16:creationId xmlns:a16="http://schemas.microsoft.com/office/drawing/2014/main" id="{A21E1C75-1889-45A1-95A1-BBED595D34B4}"/>
+                <a16:creationId xmlns:a16="http://schemas.microsoft.com/office/drawing/2014/main" xmlns="" id="{A21E1C75-1889-45A1-95A1-BBED595D34B4}"/>
               </a:ext>
             </a:extLst>
           </p:cNvPr>
@@ -4968,7 +5108,7 @@
           <p:cNvPr id="2" name="Title 1">
             <a:extLst>
               <a:ext uri="{FF2B5EF4-FFF2-40B4-BE49-F238E27FC236}">
-                <a16:creationId xmlns:a16="http://schemas.microsoft.com/office/drawing/2014/main" id="{DCA0B7DC-9EAC-48D2-B88D-94C5E5BB3277}"/>
+                <a16:creationId xmlns:a16="http://schemas.microsoft.com/office/drawing/2014/main" xmlns="" id="{DCA0B7DC-9EAC-48D2-B88D-94C5E5BB3277}"/>
               </a:ext>
             </a:extLst>
           </p:cNvPr>
@@ -4986,18 +5126,38 @@
           </a:bodyPr>
           <a:lstStyle/>
           <a:p>
+            <a:r>
+              <a:rPr lang="en-GB" dirty="0"/>
+              <a:t/>
+            </a:r>
             <a:br>
               <a:rPr lang="en-GB" dirty="0"/>
             </a:br>
+            <a:r>
+              <a:rPr lang="en-GB" dirty="0"/>
+              <a:t/>
+            </a:r>
             <a:br>
               <a:rPr lang="en-GB" dirty="0"/>
             </a:br>
+            <a:r>
+              <a:rPr lang="en-GB" dirty="0"/>
+              <a:t/>
+            </a:r>
             <a:br>
               <a:rPr lang="en-GB" dirty="0"/>
             </a:br>
+            <a:r>
+              <a:rPr lang="en-GB" dirty="0"/>
+              <a:t/>
+            </a:r>
             <a:br>
               <a:rPr lang="en-GB" dirty="0"/>
             </a:br>
+            <a:r>
+              <a:rPr lang="en-GB" dirty="0"/>
+              <a:t/>
+            </a:r>
             <a:br>
               <a:rPr lang="en-GB" dirty="0"/>
             </a:br>
@@ -5008,6 +5168,14 @@
                 </a:solidFill>
               </a:rPr>
               <a:t>Charging accessories to keep all your devices going </a:t>
+            </a:r>
+            <a:r>
+              <a:rPr lang="en-GB" dirty="0">
+                <a:solidFill>
+                  <a:schemeClr val="accent6"/>
+                </a:solidFill>
+              </a:rPr>
+              <a:t/>
             </a:r>
             <a:br>
               <a:rPr lang="en-GB" dirty="0">
@@ -5016,6 +5184,14 @@
                 </a:solidFill>
               </a:rPr>
             </a:br>
+            <a:r>
+              <a:rPr lang="en-GB" dirty="0">
+                <a:solidFill>
+                  <a:schemeClr val="accent6"/>
+                </a:solidFill>
+              </a:rPr>
+              <a:t/>
+            </a:r>
             <a:br>
               <a:rPr lang="en-GB" dirty="0">
                 <a:solidFill>
@@ -5023,12 +5199,24 @@
                 </a:solidFill>
               </a:rPr>
             </a:br>
+            <a:r>
+              <a:rPr lang="en-GB" dirty="0"/>
+              <a:t/>
+            </a:r>
             <a:br>
               <a:rPr lang="en-GB" dirty="0"/>
             </a:br>
+            <a:r>
+              <a:rPr lang="en-GB" dirty="0"/>
+              <a:t/>
+            </a:r>
             <a:br>
               <a:rPr lang="en-GB" dirty="0"/>
             </a:br>
+            <a:r>
+              <a:rPr lang="en-GB" dirty="0"/>
+              <a:t/>
+            </a:r>
             <a:br>
               <a:rPr lang="en-GB" dirty="0"/>
             </a:br>
@@ -5041,7 +5229,7 @@
           <p:cNvPr id="3" name="Content Placeholder 2">
             <a:extLst>
               <a:ext uri="{FF2B5EF4-FFF2-40B4-BE49-F238E27FC236}">
-                <a16:creationId xmlns:a16="http://schemas.microsoft.com/office/drawing/2014/main" id="{B3FAA49B-810F-4060-9386-857B7256C406}"/>
+                <a16:creationId xmlns:a16="http://schemas.microsoft.com/office/drawing/2014/main" xmlns="" id="{B3FAA49B-810F-4060-9386-857B7256C406}"/>
               </a:ext>
             </a:extLst>
           </p:cNvPr>
@@ -5107,7 +5295,7 @@
           <p:cNvPr id="2" name="Title 1">
             <a:extLst>
               <a:ext uri="{FF2B5EF4-FFF2-40B4-BE49-F238E27FC236}">
-                <a16:creationId xmlns:a16="http://schemas.microsoft.com/office/drawing/2014/main" id="{5D8C15DE-9B85-4DE4-9764-3D8FF22CC11E}"/>
+                <a16:creationId xmlns:a16="http://schemas.microsoft.com/office/drawing/2014/main" xmlns="" id="{5D8C15DE-9B85-4DE4-9764-3D8FF22CC11E}"/>
               </a:ext>
             </a:extLst>
           </p:cNvPr>
@@ -5136,7 +5324,19 @@
                   <a:schemeClr val="accent6"/>
                 </a:solidFill>
               </a:rPr>
-              <a:t>Why employee  need good office at work for home</a:t>
+              <a:t>Why employee  need good office at work for </a:t>
+            </a:r>
+            <a:r>
+              <a:rPr lang="en-GB" b="1" dirty="0" smtClean="0">
+                <a:solidFill>
+                  <a:schemeClr val="accent6"/>
+                </a:solidFill>
+              </a:rPr>
+              <a:t>home - done</a:t>
+            </a:r>
+            <a:r>
+              <a:rPr lang="en-GB" b="1" dirty="0"/>
+              <a:t/>
             </a:r>
             <a:br>
               <a:rPr lang="en-GB" b="1" dirty="0"/>
@@ -5150,7 +5350,7 @@
           <p:cNvPr id="3" name="Content Placeholder 2">
             <a:extLst>
               <a:ext uri="{FF2B5EF4-FFF2-40B4-BE49-F238E27FC236}">
-                <a16:creationId xmlns:a16="http://schemas.microsoft.com/office/drawing/2014/main" id="{A21E1C75-1889-45A1-95A1-BBED595D34B4}"/>
+                <a16:creationId xmlns:a16="http://schemas.microsoft.com/office/drawing/2014/main" xmlns="" id="{A21E1C75-1889-45A1-95A1-BBED595D34B4}"/>
               </a:ext>
             </a:extLst>
           </p:cNvPr>
@@ -5237,7 +5437,7 @@
           <p:cNvPr id="2" name="Title 1">
             <a:extLst>
               <a:ext uri="{FF2B5EF4-FFF2-40B4-BE49-F238E27FC236}">
-                <a16:creationId xmlns:a16="http://schemas.microsoft.com/office/drawing/2014/main" id="{0663A050-E4FD-42C8-A514-A07E4AEBE5D7}"/>
+                <a16:creationId xmlns:a16="http://schemas.microsoft.com/office/drawing/2014/main" xmlns="" id="{0663A050-E4FD-42C8-A514-A07E4AEBE5D7}"/>
               </a:ext>
             </a:extLst>
           </p:cNvPr>
@@ -5255,6 +5455,14 @@
           </a:bodyPr>
           <a:lstStyle/>
           <a:p>
+            <a:r>
+              <a:rPr lang="en-GB" b="1" dirty="0">
+                <a:solidFill>
+                  <a:schemeClr val="accent6"/>
+                </a:solidFill>
+              </a:rPr>
+              <a:t/>
+            </a:r>
             <a:br>
               <a:rPr lang="en-GB" b="1" dirty="0">
                 <a:solidFill>
@@ -5268,7 +5476,19 @@
                   <a:schemeClr val="accent6"/>
                 </a:solidFill>
               </a:rPr>
-              <a:t>What employee need to setup work from home</a:t>
+              <a:t>What employee need to setup work from </a:t>
+            </a:r>
+            <a:r>
+              <a:rPr lang="en-GB" b="1" dirty="0" smtClean="0">
+                <a:solidFill>
+                  <a:schemeClr val="accent6"/>
+                </a:solidFill>
+              </a:rPr>
+              <a:t>home- done</a:t>
+            </a:r>
+            <a:r>
+              <a:rPr lang="en-GB" b="1" dirty="0"/>
+              <a:t/>
             </a:r>
             <a:br>
               <a:rPr lang="en-GB" b="1" dirty="0"/>
@@ -5282,7 +5502,7 @@
           <p:cNvPr id="3" name="Content Placeholder 2">
             <a:extLst>
               <a:ext uri="{FF2B5EF4-FFF2-40B4-BE49-F238E27FC236}">
-                <a16:creationId xmlns:a16="http://schemas.microsoft.com/office/drawing/2014/main" id="{F6D8ECF7-3CBC-463C-A73F-9DCBE869A523}"/>
+                <a16:creationId xmlns:a16="http://schemas.microsoft.com/office/drawing/2014/main" xmlns="" id="{F6D8ECF7-3CBC-463C-A73F-9DCBE869A523}"/>
               </a:ext>
             </a:extLst>
           </p:cNvPr>
@@ -5357,7 +5577,7 @@
           <p:cNvPr id="2" name="Title 1">
             <a:extLst>
               <a:ext uri="{FF2B5EF4-FFF2-40B4-BE49-F238E27FC236}">
-                <a16:creationId xmlns:a16="http://schemas.microsoft.com/office/drawing/2014/main" id="{DCA0B7DC-9EAC-48D2-B88D-94C5E5BB3277}"/>
+                <a16:creationId xmlns:a16="http://schemas.microsoft.com/office/drawing/2014/main" xmlns="" id="{DCA0B7DC-9EAC-48D2-B88D-94C5E5BB3277}"/>
               </a:ext>
             </a:extLst>
           </p:cNvPr>
@@ -5373,6 +5593,10 @@
           <a:bodyPr/>
           <a:lstStyle/>
           <a:p>
+            <a:r>
+              <a:rPr lang="en-GB" b="1" dirty="0"/>
+              <a:t/>
+            </a:r>
             <a:br>
               <a:rPr lang="en-GB" b="1" dirty="0"/>
             </a:br>
@@ -5385,7 +5609,7 @@
           <p:cNvPr id="3" name="Content Placeholder 2">
             <a:extLst>
               <a:ext uri="{FF2B5EF4-FFF2-40B4-BE49-F238E27FC236}">
-                <a16:creationId xmlns:a16="http://schemas.microsoft.com/office/drawing/2014/main" id="{B3FAA49B-810F-4060-9386-857B7256C406}"/>
+                <a16:creationId xmlns:a16="http://schemas.microsoft.com/office/drawing/2014/main" xmlns="" id="{B3FAA49B-810F-4060-9386-857B7256C406}"/>
               </a:ext>
             </a:extLst>
           </p:cNvPr>
@@ -5428,7 +5652,7 @@
           <p:cNvPr id="4" name="Title 1">
             <a:extLst>
               <a:ext uri="{FF2B5EF4-FFF2-40B4-BE49-F238E27FC236}">
-                <a16:creationId xmlns:a16="http://schemas.microsoft.com/office/drawing/2014/main" id="{F595492C-495B-49E5-BFF1-7753E95CA137}"/>
+                <a16:creationId xmlns:a16="http://schemas.microsoft.com/office/drawing/2014/main" xmlns="" id="{F595492C-495B-49E5-BFF1-7753E95CA137}"/>
               </a:ext>
             </a:extLst>
           </p:cNvPr>
@@ -5493,6 +5717,10 @@
                 </a:solidFill>
               </a:rPr>
               <a:t> home desk </a:t>
+            </a:r>
+            <a:r>
+              <a:rPr lang="en-GB" b="1" dirty="0"/>
+              <a:t/>
             </a:r>
             <a:br>
               <a:rPr lang="en-GB" b="1" dirty="0"/>
@@ -5536,7 +5764,7 @@
           <p:cNvPr id="2" name="Title 1">
             <a:extLst>
               <a:ext uri="{FF2B5EF4-FFF2-40B4-BE49-F238E27FC236}">
-                <a16:creationId xmlns:a16="http://schemas.microsoft.com/office/drawing/2014/main" id="{DCA0B7DC-9EAC-48D2-B88D-94C5E5BB3277}"/>
+                <a16:creationId xmlns:a16="http://schemas.microsoft.com/office/drawing/2014/main" xmlns="" id="{DCA0B7DC-9EAC-48D2-B88D-94C5E5BB3277}"/>
               </a:ext>
             </a:extLst>
           </p:cNvPr>
@@ -5554,6 +5782,14 @@
           </a:bodyPr>
           <a:lstStyle/>
           <a:p>
+            <a:r>
+              <a:rPr lang="en-GB" b="1" dirty="0">
+                <a:solidFill>
+                  <a:schemeClr val="accent6"/>
+                </a:solidFill>
+              </a:rPr>
+              <a:t/>
+            </a:r>
             <a:br>
               <a:rPr lang="en-GB" b="1" dirty="0">
                 <a:solidFill>
@@ -5569,6 +5805,10 @@
               </a:rPr>
               <a:t>Space Planning </a:t>
             </a:r>
+            <a:r>
+              <a:rPr lang="en-GB" b="1" dirty="0"/>
+              <a:t/>
+            </a:r>
             <a:br>
               <a:rPr lang="en-GB" b="1" dirty="0"/>
             </a:br>
@@ -5581,7 +5821,7 @@
           <p:cNvPr id="3" name="Content Placeholder 2">
             <a:extLst>
               <a:ext uri="{FF2B5EF4-FFF2-40B4-BE49-F238E27FC236}">
-                <a16:creationId xmlns:a16="http://schemas.microsoft.com/office/drawing/2014/main" id="{B3FAA49B-810F-4060-9386-857B7256C406}"/>
+                <a16:creationId xmlns:a16="http://schemas.microsoft.com/office/drawing/2014/main" xmlns="" id="{B3FAA49B-810F-4060-9386-857B7256C406}"/>
               </a:ext>
             </a:extLst>
           </p:cNvPr>
@@ -5654,7 +5894,7 @@
           <p:cNvPr id="2" name="Title 1">
             <a:extLst>
               <a:ext uri="{FF2B5EF4-FFF2-40B4-BE49-F238E27FC236}">
-                <a16:creationId xmlns:a16="http://schemas.microsoft.com/office/drawing/2014/main" id="{DCA0B7DC-9EAC-48D2-B88D-94C5E5BB3277}"/>
+                <a16:creationId xmlns:a16="http://schemas.microsoft.com/office/drawing/2014/main" xmlns="" id="{DCA0B7DC-9EAC-48D2-B88D-94C5E5BB3277}"/>
               </a:ext>
             </a:extLst>
           </p:cNvPr>
@@ -5677,6 +5917,10 @@
           </a:bodyPr>
           <a:lstStyle/>
           <a:p>
+            <a:r>
+              <a:rPr lang="en-GB" b="1" cap="all" dirty="0"/>
+              <a:t/>
+            </a:r>
             <a:br>
               <a:rPr lang="en-GB" b="1" cap="all" dirty="0"/>
             </a:br>
@@ -5709,7 +5953,7 @@
           <p:cNvPr id="3" name="Content Placeholder 2">
             <a:extLst>
               <a:ext uri="{FF2B5EF4-FFF2-40B4-BE49-F238E27FC236}">
-                <a16:creationId xmlns:a16="http://schemas.microsoft.com/office/drawing/2014/main" id="{B3FAA49B-810F-4060-9386-857B7256C406}"/>
+                <a16:creationId xmlns:a16="http://schemas.microsoft.com/office/drawing/2014/main" xmlns="" id="{B3FAA49B-810F-4060-9386-857B7256C406}"/>
               </a:ext>
             </a:extLst>
           </p:cNvPr>
@@ -5825,7 +6069,7 @@
           <p:cNvPr id="2" name="Title 1">
             <a:extLst>
               <a:ext uri="{FF2B5EF4-FFF2-40B4-BE49-F238E27FC236}">
-                <a16:creationId xmlns:a16="http://schemas.microsoft.com/office/drawing/2014/main" id="{6F352782-BA68-4AF7-901C-15CE436FC760}"/>
+                <a16:creationId xmlns:a16="http://schemas.microsoft.com/office/drawing/2014/main" xmlns="" id="{6F352782-BA68-4AF7-901C-15CE436FC760}"/>
               </a:ext>
             </a:extLst>
           </p:cNvPr>
@@ -5848,6 +6092,14 @@
           </a:bodyPr>
           <a:lstStyle/>
           <a:p>
+            <a:r>
+              <a:rPr lang="en-GB" b="1" dirty="0">
+                <a:solidFill>
+                  <a:schemeClr val="accent6"/>
+                </a:solidFill>
+              </a:rPr>
+              <a:t/>
+            </a:r>
             <a:br>
               <a:rPr lang="en-GB" b="1" dirty="0">
                 <a:solidFill>
@@ -5863,6 +6115,10 @@
               </a:rPr>
               <a:t>Tools you can use to collaborate and get work done - Get the right equipment.</a:t>
             </a:r>
+            <a:r>
+              <a:rPr lang="en-GB" dirty="0"/>
+              <a:t/>
+            </a:r>
             <a:br>
               <a:rPr lang="en-GB" dirty="0"/>
             </a:br>
@@ -5875,7 +6131,7 @@
           <p:cNvPr id="3" name="Content Placeholder 2">
             <a:extLst>
               <a:ext uri="{FF2B5EF4-FFF2-40B4-BE49-F238E27FC236}">
-                <a16:creationId xmlns:a16="http://schemas.microsoft.com/office/drawing/2014/main" id="{200BEB7A-A389-47BF-B9D5-549A739F6CD3}"/>
+                <a16:creationId xmlns:a16="http://schemas.microsoft.com/office/drawing/2014/main" xmlns="" id="{200BEB7A-A389-47BF-B9D5-549A739F6CD3}"/>
               </a:ext>
             </a:extLst>
           </p:cNvPr>
@@ -6031,7 +6287,7 @@
           <p:cNvPr id="2" name="Title 1">
             <a:extLst>
               <a:ext uri="{FF2B5EF4-FFF2-40B4-BE49-F238E27FC236}">
-                <a16:creationId xmlns:a16="http://schemas.microsoft.com/office/drawing/2014/main" id="{DCA0B7DC-9EAC-48D2-B88D-94C5E5BB3277}"/>
+                <a16:creationId xmlns:a16="http://schemas.microsoft.com/office/drawing/2014/main" xmlns="" id="{DCA0B7DC-9EAC-48D2-B88D-94C5E5BB3277}"/>
               </a:ext>
             </a:extLst>
           </p:cNvPr>
@@ -6060,6 +6316,10 @@
                 </a:solidFill>
               </a:rPr>
               <a:t>Technological &amp; Office setup </a:t>
+            </a:r>
+            <a:r>
+              <a:rPr lang="en-GB" b="1" dirty="0"/>
+              <a:t/>
             </a:r>
             <a:br>
               <a:rPr lang="en-GB" b="1" dirty="0"/>
